--- a/Docs/A1_Part2/Component Architecture.pptx
+++ b/Docs/A1_Part2/Component Architecture.pptx
@@ -11,6 +11,8 @@
     <p:sldId id="259" r:id="rId5"/>
     <p:sldId id="260" r:id="rId6"/>
     <p:sldId id="261" r:id="rId7"/>
+    <p:sldId id="262" r:id="rId8"/>
+    <p:sldId id="263" r:id="rId9"/>
   </p:sldIdLst>
   <p:sldSz cx="12192000" cy="6858000"/>
   <p:notesSz cx="6858000" cy="9144000"/>
@@ -109,6 +111,11 @@
       </a:defRPr>
     </a:lvl9pPr>
   </p:defaultTextStyle>
+  <p:extLst>
+    <p:ext uri="{EFAFB233-063F-42B5-8137-9DF3F51BA10A}">
+      <p15:sldGuideLst xmlns:p15="http://schemas.microsoft.com/office/powerpoint/2012/main"/>
+    </p:ext>
+  </p:extLst>
 </p:presentation>
 </file>
 
@@ -288,7 +295,7 @@
           </a:lstStyle>
           <a:p>
             <a:r>
-              <a:rPr lang="ko-KR" altLang="en-US" smtClean="0"/>
+              <a:rPr lang="ko-KR" altLang="en-US"/>
               <a:t>마스터 제목 스타일 편집</a:t>
             </a:r>
             <a:endParaRPr lang="en-US" dirty="0"/>
@@ -408,7 +415,7 @@
           </a:lstStyle>
           <a:p>
             <a:r>
-              <a:rPr lang="ko-KR" altLang="en-US" smtClean="0"/>
+              <a:rPr lang="ko-KR" altLang="en-US"/>
               <a:t>클릭하여 마스터 부제목 스타일 편집</a:t>
             </a:r>
             <a:endParaRPr lang="en-US" dirty="0"/>
@@ -1358,7 +1365,7 @@
           </a:lstStyle>
           <a:p>
             <a:r>
-              <a:rPr lang="ko-KR" altLang="en-US" smtClean="0"/>
+              <a:rPr lang="ko-KR" altLang="en-US"/>
               <a:t>마스터 제목 스타일 편집</a:t>
             </a:r>
             <a:endParaRPr lang="en-US" dirty="0"/>
@@ -1437,7 +1444,7 @@
           </a:lstStyle>
           <a:p>
             <a:r>
-              <a:rPr lang="ko-KR" altLang="en-US" smtClean="0"/>
+              <a:rPr lang="ko-KR" altLang="en-US"/>
               <a:t>그림을 추가하려면 아이콘을 클릭하십시오</a:t>
             </a:r>
             <a:endParaRPr lang="en-US" dirty="0"/>
@@ -1512,7 +1519,7 @@
           <a:p>
             <a:pPr lvl="0"/>
             <a:r>
-              <a:rPr lang="ko-KR" altLang="en-US" smtClean="0"/>
+              <a:rPr lang="ko-KR" altLang="en-US"/>
               <a:t>마스터 텍스트 스타일 편집</a:t>
             </a:r>
           </a:p>
@@ -2424,7 +2431,7 @@
           </a:lstStyle>
           <a:p>
             <a:r>
-              <a:rPr lang="ko-KR" altLang="en-US" smtClean="0"/>
+              <a:rPr lang="ko-KR" altLang="en-US"/>
               <a:t>마스터 제목 스타일 편집</a:t>
             </a:r>
             <a:endParaRPr lang="en-US" dirty="0"/>
@@ -2492,7 +2499,7 @@
           <a:p>
             <a:pPr lvl="0"/>
             <a:r>
-              <a:rPr lang="ko-KR" altLang="en-US" smtClean="0"/>
+              <a:rPr lang="ko-KR" altLang="en-US"/>
               <a:t>마스터 텍스트 스타일 편집</a:t>
             </a:r>
           </a:p>
@@ -3482,7 +3489,7 @@
           </a:lstStyle>
           <a:p>
             <a:r>
-              <a:rPr lang="ko-KR" altLang="en-US" smtClean="0"/>
+              <a:rPr lang="ko-KR" altLang="en-US"/>
               <a:t>마스터 제목 스타일 편집</a:t>
             </a:r>
             <a:endParaRPr lang="en-US" dirty="0"/>
@@ -3559,7 +3566,7 @@
           <a:p>
             <a:pPr lvl="0"/>
             <a:r>
-              <a:rPr lang="ko-KR" altLang="en-US" smtClean="0"/>
+              <a:rPr lang="ko-KR" altLang="en-US"/>
               <a:t>마스터 텍스트 스타일 편집</a:t>
             </a:r>
           </a:p>
@@ -3626,7 +3633,7 @@
           <a:p>
             <a:pPr lvl="0"/>
             <a:r>
-              <a:rPr lang="ko-KR" altLang="en-US" smtClean="0"/>
+              <a:rPr lang="ko-KR" altLang="en-US"/>
               <a:t>마스터 텍스트 스타일 편집</a:t>
             </a:r>
           </a:p>
@@ -4538,7 +4545,7 @@
           </a:lstStyle>
           <a:p>
             <a:r>
-              <a:rPr lang="ko-KR" altLang="en-US" smtClean="0"/>
+              <a:rPr lang="ko-KR" altLang="en-US"/>
               <a:t>마스터 제목 스타일 편집</a:t>
             </a:r>
             <a:endParaRPr lang="en-US" dirty="0"/>
@@ -4659,7 +4666,7 @@
           <a:p>
             <a:pPr lvl="0"/>
             <a:r>
-              <a:rPr lang="ko-KR" altLang="en-US" smtClean="0"/>
+              <a:rPr lang="ko-KR" altLang="en-US"/>
               <a:t>마스터 텍스트 스타일 편집</a:t>
             </a:r>
           </a:p>
@@ -4821,7 +4828,7 @@
           </a:lstStyle>
           <a:p>
             <a:r>
-              <a:rPr lang="ko-KR" altLang="en-US" smtClean="0"/>
+              <a:rPr lang="ko-KR" altLang="en-US"/>
               <a:t>마스터 제목 스타일 편집</a:t>
             </a:r>
             <a:endParaRPr lang="en-US" dirty="0"/>
@@ -4896,7 +4903,7 @@
           <a:p>
             <a:pPr lvl="0"/>
             <a:r>
-              <a:rPr lang="ko-KR" altLang="en-US" smtClean="0"/>
+              <a:rPr lang="ko-KR" altLang="en-US"/>
               <a:t>마스터 텍스트 스타일 편집</a:t>
             </a:r>
           </a:p>
@@ -4963,7 +4970,7 @@
           <a:p>
             <a:pPr lvl="0"/>
             <a:r>
-              <a:rPr lang="ko-KR" altLang="en-US" smtClean="0"/>
+              <a:rPr lang="ko-KR" altLang="en-US"/>
               <a:t>마스터 텍스트 스타일 편집</a:t>
             </a:r>
           </a:p>
@@ -5037,7 +5044,7 @@
           <a:p>
             <a:pPr lvl="0"/>
             <a:r>
-              <a:rPr lang="ko-KR" altLang="en-US" smtClean="0"/>
+              <a:rPr lang="ko-KR" altLang="en-US"/>
               <a:t>마스터 텍스트 스타일 편집</a:t>
             </a:r>
           </a:p>
@@ -5104,7 +5111,7 @@
           <a:p>
             <a:pPr lvl="0"/>
             <a:r>
-              <a:rPr lang="ko-KR" altLang="en-US" smtClean="0"/>
+              <a:rPr lang="ko-KR" altLang="en-US"/>
               <a:t>마스터 텍스트 스타일 편집</a:t>
             </a:r>
           </a:p>
@@ -5178,7 +5185,7 @@
           <a:p>
             <a:pPr lvl="0"/>
             <a:r>
-              <a:rPr lang="ko-KR" altLang="en-US" smtClean="0"/>
+              <a:rPr lang="ko-KR" altLang="en-US"/>
               <a:t>마스터 텍스트 스타일 편집</a:t>
             </a:r>
           </a:p>
@@ -5245,7 +5252,7 @@
           <a:p>
             <a:pPr lvl="0"/>
             <a:r>
-              <a:rPr lang="ko-KR" altLang="en-US" smtClean="0"/>
+              <a:rPr lang="ko-KR" altLang="en-US"/>
               <a:t>마스터 텍스트 스타일 편집</a:t>
             </a:r>
           </a:p>
@@ -5445,7 +5452,7 @@
           </a:lstStyle>
           <a:p>
             <a:r>
-              <a:rPr lang="ko-KR" altLang="en-US" smtClean="0"/>
+              <a:rPr lang="ko-KR" altLang="en-US"/>
               <a:t>마스터 제목 스타일 편집</a:t>
             </a:r>
             <a:endParaRPr lang="en-US" dirty="0"/>
@@ -5520,7 +5527,7 @@
           <a:p>
             <a:pPr lvl="0"/>
             <a:r>
-              <a:rPr lang="ko-KR" altLang="en-US" smtClean="0"/>
+              <a:rPr lang="ko-KR" altLang="en-US"/>
               <a:t>마스터 텍스트 스타일 편집</a:t>
             </a:r>
           </a:p>
@@ -5598,7 +5605,7 @@
           </a:lstStyle>
           <a:p>
             <a:r>
-              <a:rPr lang="ko-KR" altLang="en-US" smtClean="0"/>
+              <a:rPr lang="ko-KR" altLang="en-US"/>
               <a:t>그림을 추가하려면 아이콘을 클릭하십시오</a:t>
             </a:r>
             <a:endParaRPr lang="en-US" dirty="0"/>
@@ -5666,7 +5673,7 @@
           <a:p>
             <a:pPr lvl="0"/>
             <a:r>
-              <a:rPr lang="ko-KR" altLang="en-US" smtClean="0"/>
+              <a:rPr lang="ko-KR" altLang="en-US"/>
               <a:t>마스터 텍스트 스타일 편집</a:t>
             </a:r>
           </a:p>
@@ -5740,7 +5747,7 @@
           <a:p>
             <a:pPr lvl="0"/>
             <a:r>
-              <a:rPr lang="ko-KR" altLang="en-US" smtClean="0"/>
+              <a:rPr lang="ko-KR" altLang="en-US"/>
               <a:t>마스터 텍스트 스타일 편집</a:t>
             </a:r>
           </a:p>
@@ -5818,7 +5825,7 @@
           </a:lstStyle>
           <a:p>
             <a:r>
-              <a:rPr lang="ko-KR" altLang="en-US" smtClean="0"/>
+              <a:rPr lang="ko-KR" altLang="en-US"/>
               <a:t>그림을 추가하려면 아이콘을 클릭하십시오</a:t>
             </a:r>
             <a:endParaRPr lang="en-US" dirty="0"/>
@@ -5886,7 +5893,7 @@
           <a:p>
             <a:pPr lvl="0"/>
             <a:r>
-              <a:rPr lang="ko-KR" altLang="en-US" smtClean="0"/>
+              <a:rPr lang="ko-KR" altLang="en-US"/>
               <a:t>마스터 텍스트 스타일 편집</a:t>
             </a:r>
           </a:p>
@@ -5960,7 +5967,7 @@
           <a:p>
             <a:pPr lvl="0"/>
             <a:r>
-              <a:rPr lang="ko-KR" altLang="en-US" smtClean="0"/>
+              <a:rPr lang="ko-KR" altLang="en-US"/>
               <a:t>마스터 텍스트 스타일 편집</a:t>
             </a:r>
           </a:p>
@@ -6038,7 +6045,7 @@
           </a:lstStyle>
           <a:p>
             <a:r>
-              <a:rPr lang="ko-KR" altLang="en-US" smtClean="0"/>
+              <a:rPr lang="ko-KR" altLang="en-US"/>
               <a:t>그림을 추가하려면 아이콘을 클릭하십시오</a:t>
             </a:r>
             <a:endParaRPr lang="en-US" dirty="0"/>
@@ -6106,7 +6113,7 @@
           <a:p>
             <a:pPr lvl="0"/>
             <a:r>
-              <a:rPr lang="ko-KR" altLang="en-US" smtClean="0"/>
+              <a:rPr lang="ko-KR" altLang="en-US"/>
               <a:t>마스터 텍스트 스타일 편집</a:t>
             </a:r>
           </a:p>
@@ -6307,7 +6314,7 @@
           <a:lstStyle/>
           <a:p>
             <a:r>
-              <a:rPr lang="ko-KR" altLang="en-US" smtClean="0"/>
+              <a:rPr lang="ko-KR" altLang="en-US"/>
               <a:t>마스터 제목 스타일 편집</a:t>
             </a:r>
             <a:endParaRPr lang="en-US" dirty="0"/>
@@ -6336,35 +6343,35 @@
           <a:p>
             <a:pPr lvl="0"/>
             <a:r>
-              <a:rPr lang="ko-KR" altLang="en-US" smtClean="0"/>
+              <a:rPr lang="ko-KR" altLang="en-US"/>
               <a:t>마스터 텍스트 스타일 편집</a:t>
             </a:r>
           </a:p>
           <a:p>
             <a:pPr lvl="1"/>
             <a:r>
-              <a:rPr lang="ko-KR" altLang="en-US" smtClean="0"/>
+              <a:rPr lang="ko-KR" altLang="en-US"/>
               <a:t>둘째 수준</a:t>
             </a:r>
           </a:p>
           <a:p>
             <a:pPr lvl="2"/>
             <a:r>
-              <a:rPr lang="ko-KR" altLang="en-US" smtClean="0"/>
+              <a:rPr lang="ko-KR" altLang="en-US"/>
               <a:t>셋째 수준</a:t>
             </a:r>
           </a:p>
           <a:p>
             <a:pPr lvl="3"/>
             <a:r>
-              <a:rPr lang="ko-KR" altLang="en-US" smtClean="0"/>
+              <a:rPr lang="ko-KR" altLang="en-US"/>
               <a:t>넷째 수준</a:t>
             </a:r>
           </a:p>
           <a:p>
             <a:pPr lvl="4"/>
             <a:r>
-              <a:rPr lang="ko-KR" altLang="en-US" smtClean="0"/>
+              <a:rPr lang="ko-KR" altLang="en-US"/>
               <a:t>다섯째 수준</a:t>
             </a:r>
             <a:endParaRPr lang="en-US" dirty="0"/>
@@ -7279,7 +7286,7 @@
           <a:lstStyle/>
           <a:p>
             <a:r>
-              <a:rPr lang="ko-KR" altLang="en-US" smtClean="0"/>
+              <a:rPr lang="ko-KR" altLang="en-US"/>
               <a:t>마스터 제목 스타일 편집</a:t>
             </a:r>
             <a:endParaRPr lang="en-US" dirty="0"/>
@@ -7308,35 +7315,35 @@
           <a:p>
             <a:pPr lvl="0"/>
             <a:r>
-              <a:rPr lang="ko-KR" altLang="en-US" smtClean="0"/>
+              <a:rPr lang="ko-KR" altLang="en-US"/>
               <a:t>마스터 텍스트 스타일 편집</a:t>
             </a:r>
           </a:p>
           <a:p>
             <a:pPr lvl="1"/>
             <a:r>
-              <a:rPr lang="ko-KR" altLang="en-US" smtClean="0"/>
+              <a:rPr lang="ko-KR" altLang="en-US"/>
               <a:t>둘째 수준</a:t>
             </a:r>
           </a:p>
           <a:p>
             <a:pPr lvl="2"/>
             <a:r>
-              <a:rPr lang="ko-KR" altLang="en-US" smtClean="0"/>
+              <a:rPr lang="ko-KR" altLang="en-US"/>
               <a:t>셋째 수준</a:t>
             </a:r>
           </a:p>
           <a:p>
             <a:pPr lvl="3"/>
             <a:r>
-              <a:rPr lang="ko-KR" altLang="en-US" smtClean="0"/>
+              <a:rPr lang="ko-KR" altLang="en-US"/>
               <a:t>넷째 수준</a:t>
             </a:r>
           </a:p>
           <a:p>
             <a:pPr lvl="4"/>
             <a:r>
-              <a:rPr lang="ko-KR" altLang="en-US" smtClean="0"/>
+              <a:rPr lang="ko-KR" altLang="en-US"/>
               <a:t>다섯째 수준</a:t>
             </a:r>
             <a:endParaRPr lang="en-US" dirty="0"/>
@@ -7495,7 +7502,7 @@
           <a:lstStyle/>
           <a:p>
             <a:r>
-              <a:rPr lang="ko-KR" altLang="en-US" smtClean="0"/>
+              <a:rPr lang="ko-KR" altLang="en-US"/>
               <a:t>마스터 제목 스타일 편집</a:t>
             </a:r>
             <a:endParaRPr lang="en-US" dirty="0"/>
@@ -7524,35 +7531,35 @@
           <a:p>
             <a:pPr lvl="0"/>
             <a:r>
-              <a:rPr lang="ko-KR" altLang="en-US" smtClean="0"/>
+              <a:rPr lang="ko-KR" altLang="en-US"/>
               <a:t>마스터 텍스트 스타일 편집</a:t>
             </a:r>
           </a:p>
           <a:p>
             <a:pPr lvl="1"/>
             <a:r>
-              <a:rPr lang="ko-KR" altLang="en-US" smtClean="0"/>
+              <a:rPr lang="ko-KR" altLang="en-US"/>
               <a:t>둘째 수준</a:t>
             </a:r>
           </a:p>
           <a:p>
             <a:pPr lvl="2"/>
             <a:r>
-              <a:rPr lang="ko-KR" altLang="en-US" smtClean="0"/>
+              <a:rPr lang="ko-KR" altLang="en-US"/>
               <a:t>셋째 수준</a:t>
             </a:r>
           </a:p>
           <a:p>
             <a:pPr lvl="3"/>
             <a:r>
-              <a:rPr lang="ko-KR" altLang="en-US" smtClean="0"/>
+              <a:rPr lang="ko-KR" altLang="en-US"/>
               <a:t>넷째 수준</a:t>
             </a:r>
           </a:p>
           <a:p>
             <a:pPr lvl="4"/>
             <a:r>
-              <a:rPr lang="ko-KR" altLang="en-US" smtClean="0"/>
+              <a:rPr lang="ko-KR" altLang="en-US"/>
               <a:t>다섯째 수준</a:t>
             </a:r>
             <a:endParaRPr lang="en-US" dirty="0"/>
@@ -8466,7 +8473,7 @@
           </a:lstStyle>
           <a:p>
             <a:r>
-              <a:rPr lang="ko-KR" altLang="en-US" smtClean="0"/>
+              <a:rPr lang="ko-KR" altLang="en-US"/>
               <a:t>마스터 제목 스타일 편집</a:t>
             </a:r>
             <a:endParaRPr lang="en-US" dirty="0"/>
@@ -8587,7 +8594,7 @@
           <a:p>
             <a:pPr lvl="0"/>
             <a:r>
-              <a:rPr lang="ko-KR" altLang="en-US" smtClean="0"/>
+              <a:rPr lang="ko-KR" altLang="en-US"/>
               <a:t>마스터 텍스트 스타일 편집</a:t>
             </a:r>
           </a:p>
@@ -8740,7 +8747,7 @@
           <a:lstStyle/>
           <a:p>
             <a:r>
-              <a:rPr lang="ko-KR" altLang="en-US" smtClean="0"/>
+              <a:rPr lang="ko-KR" altLang="en-US"/>
               <a:t>마스터 제목 스타일 편집</a:t>
             </a:r>
             <a:endParaRPr lang="en-US" dirty="0"/>
@@ -8771,35 +8778,35 @@
           <a:p>
             <a:pPr lvl="0"/>
             <a:r>
-              <a:rPr lang="ko-KR" altLang="en-US" smtClean="0"/>
+              <a:rPr lang="ko-KR" altLang="en-US"/>
               <a:t>마스터 텍스트 스타일 편집</a:t>
             </a:r>
           </a:p>
           <a:p>
             <a:pPr lvl="1"/>
             <a:r>
-              <a:rPr lang="ko-KR" altLang="en-US" smtClean="0"/>
+              <a:rPr lang="ko-KR" altLang="en-US"/>
               <a:t>둘째 수준</a:t>
             </a:r>
           </a:p>
           <a:p>
             <a:pPr lvl="2"/>
             <a:r>
-              <a:rPr lang="ko-KR" altLang="en-US" smtClean="0"/>
+              <a:rPr lang="ko-KR" altLang="en-US"/>
               <a:t>셋째 수준</a:t>
             </a:r>
           </a:p>
           <a:p>
             <a:pPr lvl="3"/>
             <a:r>
-              <a:rPr lang="ko-KR" altLang="en-US" smtClean="0"/>
+              <a:rPr lang="ko-KR" altLang="en-US"/>
               <a:t>넷째 수준</a:t>
             </a:r>
           </a:p>
           <a:p>
             <a:pPr lvl="4"/>
             <a:r>
-              <a:rPr lang="ko-KR" altLang="en-US" smtClean="0"/>
+              <a:rPr lang="ko-KR" altLang="en-US"/>
               <a:t>다섯째 수준</a:t>
             </a:r>
             <a:endParaRPr lang="en-US" dirty="0"/>
@@ -8830,35 +8837,35 @@
           <a:p>
             <a:pPr lvl="0"/>
             <a:r>
-              <a:rPr lang="ko-KR" altLang="en-US" smtClean="0"/>
+              <a:rPr lang="ko-KR" altLang="en-US"/>
               <a:t>마스터 텍스트 스타일 편집</a:t>
             </a:r>
           </a:p>
           <a:p>
             <a:pPr lvl="1"/>
             <a:r>
-              <a:rPr lang="ko-KR" altLang="en-US" smtClean="0"/>
+              <a:rPr lang="ko-KR" altLang="en-US"/>
               <a:t>둘째 수준</a:t>
             </a:r>
           </a:p>
           <a:p>
             <a:pPr lvl="2"/>
             <a:r>
-              <a:rPr lang="ko-KR" altLang="en-US" smtClean="0"/>
+              <a:rPr lang="ko-KR" altLang="en-US"/>
               <a:t>셋째 수준</a:t>
             </a:r>
           </a:p>
           <a:p>
             <a:pPr lvl="3"/>
             <a:r>
-              <a:rPr lang="ko-KR" altLang="en-US" smtClean="0"/>
+              <a:rPr lang="ko-KR" altLang="en-US"/>
               <a:t>넷째 수준</a:t>
             </a:r>
           </a:p>
           <a:p>
             <a:pPr lvl="4"/>
             <a:r>
-              <a:rPr lang="ko-KR" altLang="en-US" smtClean="0"/>
+              <a:rPr lang="ko-KR" altLang="en-US"/>
               <a:t>다섯째 수준</a:t>
             </a:r>
             <a:endParaRPr lang="en-US" dirty="0"/>
@@ -8980,7 +8987,7 @@
           </a:lstStyle>
           <a:p>
             <a:r>
-              <a:rPr lang="ko-KR" altLang="en-US" smtClean="0"/>
+              <a:rPr lang="ko-KR" altLang="en-US"/>
               <a:t>마스터 제목 스타일 편집</a:t>
             </a:r>
             <a:endParaRPr lang="en-US" dirty="0"/>
@@ -9052,7 +9059,7 @@
           <a:p>
             <a:pPr lvl="0"/>
             <a:r>
-              <a:rPr lang="ko-KR" altLang="en-US" smtClean="0"/>
+              <a:rPr lang="ko-KR" altLang="en-US"/>
               <a:t>마스터 텍스트 스타일 편집</a:t>
             </a:r>
           </a:p>
@@ -9082,35 +9089,35 @@
           <a:p>
             <a:pPr lvl="0"/>
             <a:r>
-              <a:rPr lang="ko-KR" altLang="en-US" smtClean="0"/>
+              <a:rPr lang="ko-KR" altLang="en-US"/>
               <a:t>마스터 텍스트 스타일 편집</a:t>
             </a:r>
           </a:p>
           <a:p>
             <a:pPr lvl="1"/>
             <a:r>
-              <a:rPr lang="ko-KR" altLang="en-US" smtClean="0"/>
+              <a:rPr lang="ko-KR" altLang="en-US"/>
               <a:t>둘째 수준</a:t>
             </a:r>
           </a:p>
           <a:p>
             <a:pPr lvl="2"/>
             <a:r>
-              <a:rPr lang="ko-KR" altLang="en-US" smtClean="0"/>
+              <a:rPr lang="ko-KR" altLang="en-US"/>
               <a:t>셋째 수준</a:t>
             </a:r>
           </a:p>
           <a:p>
             <a:pPr lvl="3"/>
             <a:r>
-              <a:rPr lang="ko-KR" altLang="en-US" smtClean="0"/>
+              <a:rPr lang="ko-KR" altLang="en-US"/>
               <a:t>넷째 수준</a:t>
             </a:r>
           </a:p>
           <a:p>
             <a:pPr lvl="4"/>
             <a:r>
-              <a:rPr lang="ko-KR" altLang="en-US" smtClean="0"/>
+              <a:rPr lang="ko-KR" altLang="en-US"/>
               <a:t>다섯째 수준</a:t>
             </a:r>
             <a:endParaRPr lang="en-US" dirty="0"/>
@@ -9182,7 +9189,7 @@
           <a:p>
             <a:pPr lvl="0"/>
             <a:r>
-              <a:rPr lang="ko-KR" altLang="en-US" smtClean="0"/>
+              <a:rPr lang="ko-KR" altLang="en-US"/>
               <a:t>마스터 텍스트 스타일 편집</a:t>
             </a:r>
           </a:p>
@@ -9240,35 +9247,35 @@
           <a:p>
             <a:pPr lvl="0"/>
             <a:r>
-              <a:rPr lang="ko-KR" altLang="en-US" smtClean="0"/>
+              <a:rPr lang="ko-KR" altLang="en-US"/>
               <a:t>마스터 텍스트 스타일 편집</a:t>
             </a:r>
           </a:p>
           <a:p>
             <a:pPr lvl="1"/>
             <a:r>
-              <a:rPr lang="ko-KR" altLang="en-US" smtClean="0"/>
+              <a:rPr lang="ko-KR" altLang="en-US"/>
               <a:t>둘째 수준</a:t>
             </a:r>
           </a:p>
           <a:p>
             <a:pPr lvl="2"/>
             <a:r>
-              <a:rPr lang="ko-KR" altLang="en-US" smtClean="0"/>
+              <a:rPr lang="ko-KR" altLang="en-US"/>
               <a:t>셋째 수준</a:t>
             </a:r>
           </a:p>
           <a:p>
             <a:pPr lvl="3"/>
             <a:r>
-              <a:rPr lang="ko-KR" altLang="en-US" smtClean="0"/>
+              <a:rPr lang="ko-KR" altLang="en-US"/>
               <a:t>넷째 수준</a:t>
             </a:r>
           </a:p>
           <a:p>
             <a:pPr lvl="4"/>
             <a:r>
-              <a:rPr lang="ko-KR" altLang="en-US" smtClean="0"/>
+              <a:rPr lang="ko-KR" altLang="en-US"/>
               <a:t>다섯째 수준</a:t>
             </a:r>
             <a:endParaRPr lang="en-US" dirty="0"/>
@@ -9395,7 +9402,7 @@
           </a:lstStyle>
           <a:p>
             <a:r>
-              <a:rPr lang="ko-KR" altLang="en-US" smtClean="0"/>
+              <a:rPr lang="ko-KR" altLang="en-US"/>
               <a:t>마스터 제목 스타일 편집</a:t>
             </a:r>
             <a:endParaRPr lang="en-US" dirty="0"/>
@@ -10440,7 +10447,7 @@
           </a:lstStyle>
           <a:p>
             <a:r>
-              <a:rPr lang="ko-KR" altLang="en-US" smtClean="0"/>
+              <a:rPr lang="ko-KR" altLang="en-US"/>
               <a:t>마스터 제목 스타일 편집</a:t>
             </a:r>
             <a:endParaRPr lang="en-US" dirty="0"/>
@@ -10471,35 +10478,35 @@
           <a:p>
             <a:pPr lvl="0"/>
             <a:r>
-              <a:rPr lang="ko-KR" altLang="en-US" smtClean="0"/>
+              <a:rPr lang="ko-KR" altLang="en-US"/>
               <a:t>마스터 텍스트 스타일 편집</a:t>
             </a:r>
           </a:p>
           <a:p>
             <a:pPr lvl="1"/>
             <a:r>
-              <a:rPr lang="ko-KR" altLang="en-US" smtClean="0"/>
+              <a:rPr lang="ko-KR" altLang="en-US"/>
               <a:t>둘째 수준</a:t>
             </a:r>
           </a:p>
           <a:p>
             <a:pPr lvl="2"/>
             <a:r>
-              <a:rPr lang="ko-KR" altLang="en-US" smtClean="0"/>
+              <a:rPr lang="ko-KR" altLang="en-US"/>
               <a:t>셋째 수준</a:t>
             </a:r>
           </a:p>
           <a:p>
             <a:pPr lvl="3"/>
             <a:r>
-              <a:rPr lang="ko-KR" altLang="en-US" smtClean="0"/>
+              <a:rPr lang="ko-KR" altLang="en-US"/>
               <a:t>넷째 수준</a:t>
             </a:r>
           </a:p>
           <a:p>
             <a:pPr lvl="4"/>
             <a:r>
-              <a:rPr lang="ko-KR" altLang="en-US" smtClean="0"/>
+              <a:rPr lang="ko-KR" altLang="en-US"/>
               <a:t>다섯째 수준</a:t>
             </a:r>
             <a:endParaRPr lang="en-US" dirty="0"/>
@@ -10572,7 +10579,7 @@
           <a:p>
             <a:pPr lvl="0"/>
             <a:r>
-              <a:rPr lang="ko-KR" altLang="en-US" smtClean="0"/>
+              <a:rPr lang="ko-KR" altLang="en-US"/>
               <a:t>마스터 텍스트 스타일 편집</a:t>
             </a:r>
           </a:p>
@@ -11523,7 +11530,7 @@
           </a:lstStyle>
           <a:p>
             <a:r>
-              <a:rPr lang="ko-KR" altLang="en-US" smtClean="0"/>
+              <a:rPr lang="ko-KR" altLang="en-US"/>
               <a:t>마스터 제목 스타일 편집</a:t>
             </a:r>
             <a:endParaRPr lang="en-US" dirty="0"/>
@@ -11605,7 +11612,7 @@
               <a:buNone/>
             </a:pPr>
             <a:r>
-              <a:rPr lang="ko-KR" altLang="en-US" smtClean="0"/>
+              <a:rPr lang="ko-KR" altLang="en-US"/>
               <a:t>그림을 추가하려면 아이콘을 클릭하십시오</a:t>
             </a:r>
             <a:endParaRPr lang="en-US" dirty="0"/>
@@ -11680,7 +11687,7 @@
           <a:p>
             <a:pPr lvl="0"/>
             <a:r>
-              <a:rPr lang="ko-KR" altLang="en-US" smtClean="0"/>
+              <a:rPr lang="ko-KR" altLang="en-US"/>
               <a:t>마스터 텍스트 스타일 편집</a:t>
             </a:r>
           </a:p>
@@ -12598,7 +12605,7 @@
           <a:lstStyle/>
           <a:p>
             <a:r>
-              <a:rPr lang="ko-KR" altLang="en-US" smtClean="0"/>
+              <a:rPr lang="ko-KR" altLang="en-US"/>
               <a:t>마스터 제목 스타일 편집</a:t>
             </a:r>
             <a:endParaRPr lang="en-US" dirty="0"/>
@@ -12632,35 +12639,35 @@
           <a:p>
             <a:pPr lvl="0"/>
             <a:r>
-              <a:rPr lang="ko-KR" altLang="en-US" smtClean="0"/>
+              <a:rPr lang="ko-KR" altLang="en-US"/>
               <a:t>마스터 텍스트 스타일 편집</a:t>
             </a:r>
           </a:p>
           <a:p>
             <a:pPr lvl="1"/>
             <a:r>
-              <a:rPr lang="ko-KR" altLang="en-US" smtClean="0"/>
+              <a:rPr lang="ko-KR" altLang="en-US"/>
               <a:t>둘째 수준</a:t>
             </a:r>
           </a:p>
           <a:p>
             <a:pPr lvl="2"/>
             <a:r>
-              <a:rPr lang="ko-KR" altLang="en-US" smtClean="0"/>
+              <a:rPr lang="ko-KR" altLang="en-US"/>
               <a:t>셋째 수준</a:t>
             </a:r>
           </a:p>
           <a:p>
             <a:pPr lvl="3"/>
             <a:r>
-              <a:rPr lang="ko-KR" altLang="en-US" smtClean="0"/>
+              <a:rPr lang="ko-KR" altLang="en-US"/>
               <a:t>넷째 수준</a:t>
             </a:r>
           </a:p>
           <a:p>
             <a:pPr lvl="4"/>
             <a:r>
-              <a:rPr lang="ko-KR" altLang="en-US" smtClean="0"/>
+              <a:rPr lang="ko-KR" altLang="en-US"/>
               <a:t>다섯째 수준</a:t>
             </a:r>
             <a:endParaRPr lang="en-US" dirty="0"/>
@@ -13275,7 +13282,7 @@
           <a:lstStyle/>
           <a:p>
             <a:r>
-              <a:rPr lang="en-US" dirty="0" smtClean="0"/>
+              <a:rPr lang="en-US" dirty="0"/>
               <a:t>Component Architecture</a:t>
             </a:r>
             <a:endParaRPr lang="en-CA" dirty="0"/>
@@ -13347,7 +13354,7 @@
           <a:lstStyle/>
           <a:p>
             <a:r>
-              <a:rPr lang="en-US" dirty="0" smtClean="0"/>
+              <a:rPr lang="en-US" dirty="0"/>
               <a:t>Component Diagram</a:t>
             </a:r>
             <a:endParaRPr lang="en-CA" dirty="0"/>
@@ -13356,7 +13363,13 @@
       </p:sp>
       <p:pic>
         <p:nvPicPr>
-          <p:cNvPr id="4" name="내용 개체 틀 3"/>
+          <p:cNvPr id="8" name="내용 개체 틀 7" descr="지도이(가) 표시된 사진&#10;&#10;자동 생성된 설명">
+            <a:extLst>
+              <a:ext uri="{FF2B5EF4-FFF2-40B4-BE49-F238E27FC236}">
+                <a16:creationId xmlns:a16="http://schemas.microsoft.com/office/drawing/2014/main" id="{CD091999-B67B-4139-BE11-5CAA57EDBFA7}"/>
+              </a:ext>
+            </a:extLst>
+          </p:cNvPr>
           <p:cNvPicPr>
             <a:picLocks noGrp="1" noChangeAspect="1"/>
           </p:cNvPicPr>
@@ -13378,11 +13391,47 @@
         </p:blipFill>
         <p:spPr>
           <a:xfrm>
-            <a:off x="980303" y="2438743"/>
-            <a:ext cx="10140777" cy="4217430"/>
+            <a:off x="0" y="2382314"/>
+            <a:ext cx="11956259" cy="3713686"/>
           </a:xfrm>
         </p:spPr>
       </p:pic>
+      <p:sp>
+        <p:nvSpPr>
+          <p:cNvPr id="9" name="TextBox 8">
+            <a:extLst>
+              <a:ext uri="{FF2B5EF4-FFF2-40B4-BE49-F238E27FC236}">
+                <a16:creationId xmlns:a16="http://schemas.microsoft.com/office/drawing/2014/main" id="{BF07AAF2-4869-4E1E-A167-CC50373818D9}"/>
+              </a:ext>
+            </a:extLst>
+          </p:cNvPr>
+          <p:cNvSpPr txBox="1"/>
+          <p:nvPr/>
+        </p:nvSpPr>
+        <p:spPr>
+          <a:xfrm>
+            <a:off x="847546" y="6096000"/>
+            <a:ext cx="9376228" cy="369332"/>
+          </a:xfrm>
+          <a:prstGeom prst="rect">
+            <a:avLst/>
+          </a:prstGeom>
+          <a:noFill/>
+        </p:spPr>
+        <p:txBody>
+          <a:bodyPr wrap="square" rtlCol="0">
+            <a:spAutoFit/>
+          </a:bodyPr>
+          <a:lstStyle/>
+          <a:p>
+            <a:r>
+              <a:rPr lang="en-US" altLang="ko-KR" dirty="0"/>
+              <a:t>These are the components that can be added as a specific actor’s components.</a:t>
+            </a:r>
+            <a:endParaRPr lang="ko-KR" altLang="en-US" dirty="0"/>
+          </a:p>
+        </p:txBody>
+      </p:sp>
     </p:spTree>
     <p:extLst>
       <p:ext uri="{BB962C8B-B14F-4D97-AF65-F5344CB8AC3E}">
@@ -13429,7 +13478,7 @@
           <a:lstStyle/>
           <a:p>
             <a:r>
-              <a:rPr lang="en-US" dirty="0" smtClean="0"/>
+              <a:rPr lang="en-US" dirty="0"/>
               <a:t>Player Components</a:t>
             </a:r>
             <a:endParaRPr lang="en-CA" dirty="0"/>
@@ -13452,50 +13501,50 @@
           <a:lstStyle/>
           <a:p>
             <a:r>
-              <a:rPr lang="en-US" dirty="0" smtClean="0"/>
+              <a:rPr lang="en-US" dirty="0"/>
               <a:t>Player Components:</a:t>
             </a:r>
           </a:p>
           <a:p>
             <a:pPr lvl="1"/>
             <a:r>
-              <a:rPr lang="en-US" dirty="0" smtClean="0"/>
+              <a:rPr lang="en-US" dirty="0"/>
               <a:t>Player Controller</a:t>
             </a:r>
           </a:p>
           <a:p>
             <a:pPr lvl="1"/>
             <a:r>
-              <a:rPr lang="en-US" dirty="0" smtClean="0"/>
+              <a:rPr lang="en-US" dirty="0"/>
               <a:t>Transform</a:t>
             </a:r>
           </a:p>
           <a:p>
             <a:pPr lvl="1"/>
             <a:r>
-              <a:rPr lang="en-US" dirty="0" err="1" smtClean="0"/>
+              <a:rPr lang="en-US" dirty="0" err="1"/>
               <a:t>Rigidbody</a:t>
             </a:r>
-            <a:endParaRPr lang="en-US" dirty="0" smtClean="0"/>
+            <a:endParaRPr lang="en-US" dirty="0"/>
           </a:p>
           <a:p>
             <a:pPr lvl="1"/>
             <a:r>
-              <a:rPr lang="en-US" dirty="0" smtClean="0"/>
+              <a:rPr lang="en-US" dirty="0"/>
               <a:t>Capsule Collider</a:t>
             </a:r>
           </a:p>
           <a:p>
             <a:pPr lvl="1"/>
             <a:r>
-              <a:rPr lang="en-US" dirty="0" smtClean="0"/>
+              <a:rPr lang="en-US" dirty="0"/>
               <a:t>Mesh Renderer</a:t>
             </a:r>
           </a:p>
           <a:p>
             <a:pPr lvl="1"/>
             <a:r>
-              <a:rPr lang="en-US" dirty="0" smtClean="0"/>
+              <a:rPr lang="en-US" dirty="0"/>
               <a:t>Character Stat Component</a:t>
             </a:r>
           </a:p>
@@ -13551,7 +13600,7 @@
           <a:lstStyle/>
           <a:p>
             <a:r>
-              <a:rPr lang="en-US" dirty="0" smtClean="0"/>
+              <a:rPr lang="en-US" dirty="0"/>
               <a:t>Enemy Components</a:t>
             </a:r>
             <a:endParaRPr lang="en-CA" dirty="0"/>
@@ -13575,24 +13624,20 @@
           <a:p>
             <a:r>
               <a:rPr lang="en-US" dirty="0"/>
-              <a:t>Enemy </a:t>
-            </a:r>
-            <a:r>
-              <a:rPr lang="en-US" dirty="0" smtClean="0"/>
-              <a:t>Components:</a:t>
+              <a:t>Enemy Components:</a:t>
             </a:r>
           </a:p>
           <a:p>
             <a:pPr lvl="1"/>
             <a:r>
-              <a:rPr lang="en-US" dirty="0" smtClean="0"/>
+              <a:rPr lang="en-US" dirty="0"/>
               <a:t>Decision Tree</a:t>
             </a:r>
           </a:p>
           <a:p>
             <a:pPr lvl="1"/>
             <a:r>
-              <a:rPr lang="en-US" dirty="0" smtClean="0"/>
+              <a:rPr lang="en-US" dirty="0"/>
               <a:t>Transform</a:t>
             </a:r>
           </a:p>
@@ -13677,7 +13722,7 @@
           <a:lstStyle/>
           <a:p>
             <a:r>
-              <a:rPr lang="en-US" dirty="0" smtClean="0"/>
+              <a:rPr lang="en-US" dirty="0"/>
               <a:t>Projectile Components</a:t>
             </a:r>
             <a:endParaRPr lang="en-CA" dirty="0"/>
@@ -13701,46 +13746,42 @@
           <a:p>
             <a:r>
               <a:rPr lang="en-US" dirty="0"/>
-              <a:t>Projectile </a:t>
-            </a:r>
-            <a:r>
-              <a:rPr lang="en-US" dirty="0" smtClean="0"/>
-              <a:t>Components</a:t>
+              <a:t>Projectile Components:</a:t>
             </a:r>
           </a:p>
           <a:p>
             <a:pPr lvl="1"/>
             <a:r>
-              <a:rPr lang="en-US" dirty="0" smtClean="0"/>
+              <a:rPr lang="en-US" dirty="0"/>
               <a:t>Transform</a:t>
             </a:r>
           </a:p>
           <a:p>
             <a:pPr lvl="1"/>
             <a:r>
-              <a:rPr lang="en-US" dirty="0" err="1" smtClean="0"/>
+              <a:rPr lang="en-US" dirty="0" err="1"/>
               <a:t>Rigidbody</a:t>
             </a:r>
-            <a:endParaRPr lang="en-US" dirty="0" smtClean="0"/>
+            <a:endParaRPr lang="en-US" dirty="0"/>
           </a:p>
           <a:p>
             <a:pPr lvl="1"/>
             <a:r>
-              <a:rPr lang="en-US" dirty="0" smtClean="0"/>
+              <a:rPr lang="en-US" dirty="0"/>
               <a:t>Capsule Collider</a:t>
             </a:r>
           </a:p>
           <a:p>
             <a:pPr lvl="1"/>
             <a:r>
-              <a:rPr lang="en-US" dirty="0" smtClean="0"/>
+              <a:rPr lang="en-US" dirty="0"/>
               <a:t>Mesh Renderer</a:t>
             </a:r>
           </a:p>
           <a:p>
             <a:pPr lvl="1"/>
             <a:r>
-              <a:rPr lang="en-US" dirty="0" smtClean="0"/>
+              <a:rPr lang="en-US" dirty="0"/>
               <a:t>Projectile Component</a:t>
             </a:r>
           </a:p>
@@ -13796,7 +13837,7 @@
           <a:lstStyle/>
           <a:p>
             <a:r>
-              <a:rPr lang="en-US" dirty="0" smtClean="0"/>
+              <a:rPr lang="en-US" dirty="0"/>
               <a:t>Wall &amp; Floor Components</a:t>
             </a:r>
             <a:endParaRPr lang="en-CA" dirty="0"/>
@@ -13819,34 +13860,34 @@
           <a:lstStyle/>
           <a:p>
             <a:r>
-              <a:rPr lang="en-US" dirty="0" smtClean="0"/>
-              <a:t>Wall &amp; Floor Components</a:t>
+              <a:rPr lang="en-US" dirty="0"/>
+              <a:t>Wall &amp; Floor Components:</a:t>
             </a:r>
           </a:p>
           <a:p>
             <a:pPr lvl="1"/>
             <a:r>
-              <a:rPr lang="en-US" dirty="0" smtClean="0"/>
+              <a:rPr lang="en-US" dirty="0"/>
               <a:t>Transform</a:t>
             </a:r>
           </a:p>
           <a:p>
             <a:pPr lvl="1"/>
             <a:r>
-              <a:rPr lang="en-US" dirty="0" smtClean="0"/>
+              <a:rPr lang="en-US" dirty="0"/>
               <a:t>Box Collider</a:t>
             </a:r>
           </a:p>
           <a:p>
             <a:pPr lvl="1"/>
             <a:r>
-              <a:rPr lang="en-US" dirty="0" smtClean="0"/>
+              <a:rPr lang="en-US" dirty="0"/>
               <a:t>Mesh Renderer</a:t>
             </a:r>
           </a:p>
           <a:p>
             <a:pPr lvl="1"/>
-            <a:endParaRPr lang="en-US" dirty="0" smtClean="0"/>
+            <a:endParaRPr lang="en-US" dirty="0"/>
           </a:p>
           <a:p>
             <a:pPr lvl="1"/>
@@ -13858,6 +13899,213 @@
     <p:extLst>
       <p:ext uri="{BB962C8B-B14F-4D97-AF65-F5344CB8AC3E}">
         <p14:creationId xmlns:p14="http://schemas.microsoft.com/office/powerpoint/2010/main" val="3978360665"/>
+      </p:ext>
+    </p:extLst>
+  </p:cSld>
+  <p:clrMapOvr>
+    <a:masterClrMapping/>
+  </p:clrMapOvr>
+</p:sld>
+</file>
+
+<file path=ppt/slides/slide7.xml><?xml version="1.0" encoding="utf-8"?>
+<p:sld xmlns:a="http://schemas.openxmlformats.org/drawingml/2006/main" xmlns:r="http://schemas.openxmlformats.org/officeDocument/2006/relationships" xmlns:p="http://schemas.openxmlformats.org/presentationml/2006/main">
+  <p:cSld>
+    <p:spTree>
+      <p:nvGrpSpPr>
+        <p:cNvPr id="1" name=""/>
+        <p:cNvGrpSpPr/>
+        <p:nvPr/>
+      </p:nvGrpSpPr>
+      <p:grpSpPr>
+        <a:xfrm>
+          <a:off x="0" y="0"/>
+          <a:ext cx="0" cy="0"/>
+          <a:chOff x="0" y="0"/>
+          <a:chExt cx="0" cy="0"/>
+        </a:xfrm>
+      </p:grpSpPr>
+      <p:sp>
+        <p:nvSpPr>
+          <p:cNvPr id="2" name="제목 1">
+            <a:extLst>
+              <a:ext uri="{FF2B5EF4-FFF2-40B4-BE49-F238E27FC236}">
+                <a16:creationId xmlns:a16="http://schemas.microsoft.com/office/drawing/2014/main" id="{E9EFD3F9-621E-4989-BD37-8D7B36D6F062}"/>
+              </a:ext>
+            </a:extLst>
+          </p:cNvPr>
+          <p:cNvSpPr>
+            <a:spLocks noGrp="1"/>
+          </p:cNvSpPr>
+          <p:nvPr>
+            <p:ph type="title"/>
+          </p:nvPr>
+        </p:nvSpPr>
+        <p:spPr/>
+        <p:txBody>
+          <a:bodyPr/>
+          <a:lstStyle/>
+          <a:p>
+            <a:r>
+              <a:rPr lang="en-US" altLang="ko-KR" dirty="0"/>
+              <a:t>Level Manager Components</a:t>
+            </a:r>
+            <a:endParaRPr lang="ko-KR" altLang="en-US" dirty="0"/>
+          </a:p>
+        </p:txBody>
+      </p:sp>
+      <p:sp>
+        <p:nvSpPr>
+          <p:cNvPr id="3" name="내용 개체 틀 2">
+            <a:extLst>
+              <a:ext uri="{FF2B5EF4-FFF2-40B4-BE49-F238E27FC236}">
+                <a16:creationId xmlns:a16="http://schemas.microsoft.com/office/drawing/2014/main" id="{77500722-F9A6-4DE3-A964-CA8BA473B4D5}"/>
+              </a:ext>
+            </a:extLst>
+          </p:cNvPr>
+          <p:cNvSpPr>
+            <a:spLocks noGrp="1"/>
+          </p:cNvSpPr>
+          <p:nvPr>
+            <p:ph idx="1"/>
+          </p:nvPr>
+        </p:nvSpPr>
+        <p:spPr/>
+        <p:txBody>
+          <a:bodyPr/>
+          <a:lstStyle/>
+          <a:p>
+            <a:r>
+              <a:rPr lang="en-US" altLang="ko-KR" dirty="0"/>
+              <a:t>Level Manager Components:</a:t>
+            </a:r>
+          </a:p>
+          <a:p>
+            <a:pPr lvl="1"/>
+            <a:r>
+              <a:rPr lang="en-US" altLang="ko-KR" dirty="0"/>
+              <a:t>Level manager component</a:t>
+            </a:r>
+          </a:p>
+          <a:p>
+            <a:pPr lvl="1"/>
+            <a:endParaRPr lang="en-US" altLang="ko-KR" dirty="0"/>
+          </a:p>
+          <a:p>
+            <a:pPr lvl="1"/>
+            <a:endParaRPr lang="en-CA" altLang="ko-KR" dirty="0"/>
+          </a:p>
+          <a:p>
+            <a:endParaRPr lang="ko-KR" altLang="en-US" dirty="0"/>
+          </a:p>
+        </p:txBody>
+      </p:sp>
+    </p:spTree>
+    <p:extLst>
+      <p:ext uri="{BB962C8B-B14F-4D97-AF65-F5344CB8AC3E}">
+        <p14:creationId xmlns:p14="http://schemas.microsoft.com/office/powerpoint/2010/main" val="3618640711"/>
+      </p:ext>
+    </p:extLst>
+  </p:cSld>
+  <p:clrMapOvr>
+    <a:masterClrMapping/>
+  </p:clrMapOvr>
+</p:sld>
+</file>
+
+<file path=ppt/slides/slide8.xml><?xml version="1.0" encoding="utf-8"?>
+<p:sld xmlns:a="http://schemas.openxmlformats.org/drawingml/2006/main" xmlns:r="http://schemas.openxmlformats.org/officeDocument/2006/relationships" xmlns:p="http://schemas.openxmlformats.org/presentationml/2006/main">
+  <p:cSld>
+    <p:spTree>
+      <p:nvGrpSpPr>
+        <p:cNvPr id="1" name=""/>
+        <p:cNvGrpSpPr/>
+        <p:nvPr/>
+      </p:nvGrpSpPr>
+      <p:grpSpPr>
+        <a:xfrm>
+          <a:off x="0" y="0"/>
+          <a:ext cx="0" cy="0"/>
+          <a:chOff x="0" y="0"/>
+          <a:chExt cx="0" cy="0"/>
+        </a:xfrm>
+      </p:grpSpPr>
+      <p:sp>
+        <p:nvSpPr>
+          <p:cNvPr id="2" name="제목 1">
+            <a:extLst>
+              <a:ext uri="{FF2B5EF4-FFF2-40B4-BE49-F238E27FC236}">
+                <a16:creationId xmlns:a16="http://schemas.microsoft.com/office/drawing/2014/main" id="{433C0885-3853-4DC8-9347-3563F6C1CF33}"/>
+              </a:ext>
+            </a:extLst>
+          </p:cNvPr>
+          <p:cNvSpPr>
+            <a:spLocks noGrp="1"/>
+          </p:cNvSpPr>
+          <p:nvPr>
+            <p:ph type="title"/>
+          </p:nvPr>
+        </p:nvSpPr>
+        <p:spPr/>
+        <p:txBody>
+          <a:bodyPr/>
+          <a:lstStyle/>
+          <a:p>
+            <a:r>
+              <a:rPr lang="en-US" altLang="ko-KR" dirty="0"/>
+              <a:t>Timer Components</a:t>
+            </a:r>
+            <a:endParaRPr lang="ko-KR" altLang="en-US" dirty="0"/>
+          </a:p>
+        </p:txBody>
+      </p:sp>
+      <p:sp>
+        <p:nvSpPr>
+          <p:cNvPr id="3" name="내용 개체 틀 2">
+            <a:extLst>
+              <a:ext uri="{FF2B5EF4-FFF2-40B4-BE49-F238E27FC236}">
+                <a16:creationId xmlns:a16="http://schemas.microsoft.com/office/drawing/2014/main" id="{FFA4E21D-DD30-4C87-9749-F29C5B118659}"/>
+              </a:ext>
+            </a:extLst>
+          </p:cNvPr>
+          <p:cNvSpPr>
+            <a:spLocks noGrp="1"/>
+          </p:cNvSpPr>
+          <p:nvPr>
+            <p:ph idx="1"/>
+          </p:nvPr>
+        </p:nvSpPr>
+        <p:spPr/>
+        <p:txBody>
+          <a:bodyPr/>
+          <a:lstStyle/>
+          <a:p>
+            <a:r>
+              <a:rPr lang="en-US" altLang="ko-KR" dirty="0"/>
+              <a:t>Timer Components:</a:t>
+            </a:r>
+          </a:p>
+          <a:p>
+            <a:pPr lvl="1"/>
+            <a:r>
+              <a:rPr lang="en-US" altLang="ko-KR" dirty="0"/>
+              <a:t>Sprite</a:t>
+            </a:r>
+          </a:p>
+          <a:p>
+            <a:pPr lvl="1"/>
+            <a:r>
+              <a:rPr lang="en-US" altLang="ko-KR" dirty="0"/>
+              <a:t>Text</a:t>
+            </a:r>
+            <a:endParaRPr lang="ko-KR" altLang="en-US" dirty="0"/>
+          </a:p>
+        </p:txBody>
+      </p:sp>
+    </p:spTree>
+    <p:extLst>
+      <p:ext uri="{BB962C8B-B14F-4D97-AF65-F5344CB8AC3E}">
+        <p14:creationId xmlns:p14="http://schemas.microsoft.com/office/powerpoint/2010/main" val="36902447"/>
       </p:ext>
     </p:extLst>
   </p:cSld>

--- a/Docs/A1_Part2/Component Architecture.pptx
+++ b/Docs/A1_Part2/Component Architecture.pptx
@@ -13363,19 +13363,17 @@
       </p:sp>
       <p:pic>
         <p:nvPicPr>
-          <p:cNvPr id="8" name="내용 개체 틀 7" descr="지도이(가) 표시된 사진&#10;&#10;자동 생성된 설명">
+          <p:cNvPr id="4" name="그림 3" descr="지도이(가) 표시된 사진&#10;&#10;자동 생성된 설명">
             <a:extLst>
               <a:ext uri="{FF2B5EF4-FFF2-40B4-BE49-F238E27FC236}">
-                <a16:creationId xmlns:a16="http://schemas.microsoft.com/office/drawing/2014/main" id="{CD091999-B67B-4139-BE11-5CAA57EDBFA7}"/>
+                <a16:creationId xmlns:a16="http://schemas.microsoft.com/office/drawing/2014/main" id="{319189F4-9BE9-4F7F-93E7-5DFB9CEC3D56}"/>
               </a:ext>
             </a:extLst>
           </p:cNvPr>
           <p:cNvPicPr>
-            <a:picLocks noGrp="1" noChangeAspect="1"/>
+            <a:picLocks noChangeAspect="1"/>
           </p:cNvPicPr>
-          <p:nvPr>
-            <p:ph idx="1"/>
-          </p:nvPr>
+          <p:nvPr/>
         </p:nvPicPr>
         <p:blipFill>
           <a:blip r:embed="rId2">
@@ -13391,9 +13389,12 @@
         </p:blipFill>
         <p:spPr>
           <a:xfrm>
-            <a:off x="0" y="2382314"/>
-            <a:ext cx="11956259" cy="3713686"/>
+            <a:off x="0" y="2107701"/>
+            <a:ext cx="12192000" cy="4405513"/>
           </a:xfrm>
+          <a:prstGeom prst="rect">
+            <a:avLst/>
+          </a:prstGeom>
         </p:spPr>
       </p:pic>
       <p:sp>
@@ -13410,7 +13411,7 @@
         </p:nvSpPr>
         <p:spPr>
           <a:xfrm>
-            <a:off x="847546" y="6096000"/>
+            <a:off x="847546" y="6302044"/>
             <a:ext cx="9376228" cy="369332"/>
           </a:xfrm>
           <a:prstGeom prst="rect">

--- a/Docs/A1_Part2/Component Architecture.pptx
+++ b/Docs/A1_Part2/Component Architecture.pptx
@@ -454,7 +454,7 @@
           <a:p>
             <a:fld id="{86828C6C-CD5E-45CB-BA74-D875C0485A73}" type="datetimeFigureOut">
               <a:rPr lang="en-CA" smtClean="0"/>
-              <a:t>2019-10-19</a:t>
+              <a:t>2019-11-25</a:t>
             </a:fld>
             <a:endParaRPr lang="en-CA"/>
           </a:p>
@@ -1542,7 +1542,7 @@
           <a:p>
             <a:fld id="{86828C6C-CD5E-45CB-BA74-D875C0485A73}" type="datetimeFigureOut">
               <a:rPr lang="en-CA" smtClean="0"/>
-              <a:t>2019-10-19</a:t>
+              <a:t>2019-11-25</a:t>
             </a:fld>
             <a:endParaRPr lang="en-CA"/>
           </a:p>
@@ -2522,7 +2522,7 @@
           <a:p>
             <a:fld id="{86828C6C-CD5E-45CB-BA74-D875C0485A73}" type="datetimeFigureOut">
               <a:rPr lang="en-CA" smtClean="0"/>
-              <a:t>2019-10-19</a:t>
+              <a:t>2019-11-25</a:t>
             </a:fld>
             <a:endParaRPr lang="en-CA"/>
           </a:p>
@@ -3656,7 +3656,7 @@
           <a:p>
             <a:fld id="{86828C6C-CD5E-45CB-BA74-D875C0485A73}" type="datetimeFigureOut">
               <a:rPr lang="en-CA" smtClean="0"/>
-              <a:t>2019-10-19</a:t>
+              <a:t>2019-11-25</a:t>
             </a:fld>
             <a:endParaRPr lang="en-CA"/>
           </a:p>
@@ -4689,7 +4689,7 @@
           <a:p>
             <a:fld id="{86828C6C-CD5E-45CB-BA74-D875C0485A73}" type="datetimeFigureOut">
               <a:rPr lang="en-CA" smtClean="0"/>
-              <a:t>2019-10-19</a:t>
+              <a:t>2019-11-25</a:t>
             </a:fld>
             <a:endParaRPr lang="en-CA"/>
           </a:p>
@@ -5349,7 +5349,7 @@
           <a:p>
             <a:fld id="{86828C6C-CD5E-45CB-BA74-D875C0485A73}" type="datetimeFigureOut">
               <a:rPr lang="en-CA" smtClean="0"/>
-              <a:t>2019-10-19</a:t>
+              <a:t>2019-11-25</a:t>
             </a:fld>
             <a:endParaRPr lang="en-CA"/>
           </a:p>
@@ -6210,7 +6210,7 @@
           <a:p>
             <a:fld id="{86828C6C-CD5E-45CB-BA74-D875C0485A73}" type="datetimeFigureOut">
               <a:rPr lang="en-CA" smtClean="0"/>
-              <a:t>2019-10-19</a:t>
+              <a:t>2019-11-25</a:t>
             </a:fld>
             <a:endParaRPr lang="en-CA"/>
           </a:p>
@@ -6400,7 +6400,7 @@
           <a:p>
             <a:fld id="{86828C6C-CD5E-45CB-BA74-D875C0485A73}" type="datetimeFigureOut">
               <a:rPr lang="en-CA" smtClean="0"/>
-              <a:t>2019-10-19</a:t>
+              <a:t>2019-11-25</a:t>
             </a:fld>
             <a:endParaRPr lang="en-CA"/>
           </a:p>
@@ -7372,7 +7372,7 @@
           <a:p>
             <a:fld id="{86828C6C-CD5E-45CB-BA74-D875C0485A73}" type="datetimeFigureOut">
               <a:rPr lang="en-CA" smtClean="0"/>
-              <a:t>2019-10-19</a:t>
+              <a:t>2019-11-25</a:t>
             </a:fld>
             <a:endParaRPr lang="en-CA"/>
           </a:p>
@@ -7583,7 +7583,7 @@
           <a:p>
             <a:fld id="{86828C6C-CD5E-45CB-BA74-D875C0485A73}" type="datetimeFigureOut">
               <a:rPr lang="en-CA" smtClean="0"/>
-              <a:t>2019-10-19</a:t>
+              <a:t>2019-11-25</a:t>
             </a:fld>
             <a:endParaRPr lang="en-CA"/>
           </a:p>
@@ -8617,7 +8617,7 @@
           <a:p>
             <a:fld id="{86828C6C-CD5E-45CB-BA74-D875C0485A73}" type="datetimeFigureOut">
               <a:rPr lang="en-CA" smtClean="0"/>
-              <a:t>2019-10-19</a:t>
+              <a:t>2019-11-25</a:t>
             </a:fld>
             <a:endParaRPr lang="en-CA"/>
           </a:p>
@@ -8889,7 +8889,7 @@
           <a:p>
             <a:fld id="{86828C6C-CD5E-45CB-BA74-D875C0485A73}" type="datetimeFigureOut">
               <a:rPr lang="en-CA" smtClean="0"/>
-              <a:t>2019-10-19</a:t>
+              <a:t>2019-11-25</a:t>
             </a:fld>
             <a:endParaRPr lang="en-CA"/>
           </a:p>
@@ -9299,7 +9299,7 @@
           <a:p>
             <a:fld id="{86828C6C-CD5E-45CB-BA74-D875C0485A73}" type="datetimeFigureOut">
               <a:rPr lang="en-CA" smtClean="0"/>
-              <a:t>2019-10-19</a:t>
+              <a:t>2019-11-25</a:t>
             </a:fld>
             <a:endParaRPr lang="en-CA"/>
           </a:p>
@@ -9426,7 +9426,7 @@
           <a:p>
             <a:fld id="{86828C6C-CD5E-45CB-BA74-D875C0485A73}" type="datetimeFigureOut">
               <a:rPr lang="en-CA" smtClean="0"/>
-              <a:t>2019-10-19</a:t>
+              <a:t>2019-11-25</a:t>
             </a:fld>
             <a:endParaRPr lang="en-CA"/>
           </a:p>
@@ -9521,7 +9521,7 @@
           <a:p>
             <a:fld id="{86828C6C-CD5E-45CB-BA74-D875C0485A73}" type="datetimeFigureOut">
               <a:rPr lang="en-CA" smtClean="0"/>
-              <a:t>2019-10-19</a:t>
+              <a:t>2019-11-25</a:t>
             </a:fld>
             <a:endParaRPr lang="en-CA"/>
           </a:p>
@@ -10602,7 +10602,7 @@
           <a:p>
             <a:fld id="{86828C6C-CD5E-45CB-BA74-D875C0485A73}" type="datetimeFigureOut">
               <a:rPr lang="en-CA" smtClean="0"/>
-              <a:t>2019-10-19</a:t>
+              <a:t>2019-11-25</a:t>
             </a:fld>
             <a:endParaRPr lang="en-CA"/>
           </a:p>
@@ -11710,7 +11710,7 @@
           <a:p>
             <a:fld id="{86828C6C-CD5E-45CB-BA74-D875C0485A73}" type="datetimeFigureOut">
               <a:rPr lang="en-CA" smtClean="0"/>
-              <a:t>2019-10-19</a:t>
+              <a:t>2019-11-25</a:t>
             </a:fld>
             <a:endParaRPr lang="en-CA"/>
           </a:p>
@@ -12707,7 +12707,7 @@
           <a:p>
             <a:fld id="{86828C6C-CD5E-45CB-BA74-D875C0485A73}" type="datetimeFigureOut">
               <a:rPr lang="en-CA" smtClean="0"/>
-              <a:t>2019-10-19</a:t>
+              <a:t>2019-11-25</a:t>
             </a:fld>
             <a:endParaRPr lang="en-CA"/>
           </a:p>
@@ -13363,7 +13363,7 @@
       </p:sp>
       <p:pic>
         <p:nvPicPr>
-          <p:cNvPr id="4" name="그림 3" descr="지도이(가) 표시된 사진&#10;&#10;자동 생성된 설명">
+          <p:cNvPr id="4" name="그림 3">
             <a:extLst>
               <a:ext uri="{FF2B5EF4-FFF2-40B4-BE49-F238E27FC236}">
                 <a16:creationId xmlns:a16="http://schemas.microsoft.com/office/drawing/2014/main" id="{319189F4-9BE9-4F7F-93E7-5DFB9CEC3D56}"/>
@@ -13383,14 +13383,13 @@
               </a:ext>
             </a:extLst>
           </a:blip>
-          <a:stretch>
-            <a:fillRect/>
-          </a:stretch>
+          <a:srcRect/>
+          <a:stretch/>
         </p:blipFill>
         <p:spPr>
           <a:xfrm>
-            <a:off x="0" y="2107701"/>
-            <a:ext cx="12192000" cy="4405513"/>
+            <a:off x="0" y="2883846"/>
+            <a:ext cx="12192000" cy="2853222"/>
           </a:xfrm>
           <a:prstGeom prst="rect">
             <a:avLst/>
